--- a/assets/DI-CPS 2023 Advertising Brochure.pptx
+++ b/assets/DI-CPS 2023 Advertising Brochure.pptx
@@ -6456,7 +6456,7 @@
                 <a:cs typeface="Roboto" panose="02000000000000000000" charset="0"/>
                 <a:sym typeface="Cambria"/>
               </a:rPr>
-              <a:t>Submission Deadline: February 1, 2023</a:t>
+              <a:t>Submission Deadline: February 22, 2023</a:t>
             </a:r>
             <a:endParaRPr sz="1200" b="1">
               <a:latin typeface="Roboto" panose="02000000000000000000" charset="0"/>
